--- a/docs/articles/assets/pptx/ph_with_block_list.pptx
+++ b/docs/articles/assets/pptx/ph_with_block_list.pptx
@@ -2229,7 +2229,7 @@
             <a:off x="1828800" y="2743200"/>
             <a:ext cx="3657600" cy="3657600"/>
           </a:xfrm>
-          <a:solidFill>
+          <a:solidFill xmlns:a="http://schemas.openxmlformats.org/drawingml/2006/main" xmlns:r="http://schemas.openxmlformats.org/officeDocument/2006/relationships" xmlns:p="http://schemas.openxmlformats.org/presentationml/2006/main">
             <a:srgbClr val="F5DEB3">
               <a:alpha val="100000"/>
             </a:srgbClr>
